--- a/lib/Android & IOS.pptx
+++ b/lib/Android & IOS.pptx
@@ -9,7 +9,10 @@
     <p:sldId id="257" r:id="rId3"/>
     <p:sldId id="261" r:id="rId4"/>
     <p:sldId id="259" r:id="rId5"/>
-    <p:sldId id="260" r:id="rId6"/>
+    <p:sldId id="262" r:id="rId6"/>
+    <p:sldId id="263" r:id="rId7"/>
+    <p:sldId id="264" r:id="rId8"/>
+    <p:sldId id="260" r:id="rId9"/>
   </p:sldIdLst>
   <p:sldSz cx="12192000" cy="6858000"/>
   <p:notesSz cx="6858000" cy="9144000"/>
@@ -108,6 +111,11 @@
       </a:defRPr>
     </a:lvl9pPr>
   </p:defaultTextStyle>
+  <p:extLst>
+    <p:ext uri="{EFAFB233-063F-42B5-8137-9DF3F51BA10A}">
+      <p15:sldGuideLst xmlns:p15="http://schemas.microsoft.com/office/powerpoint/2012/main"/>
+    </p:ext>
+  </p:extLst>
 </p:presentation>
 </file>
 
@@ -6509,7 +6517,7 @@
           <a:p>
             <a:r>
               <a:rPr lang="ja-JP" altLang="en-US" dirty="0"/>
-              <a:t>参加者 </a:t>
+              <a:t>メンバー</a:t>
             </a:r>
             <a:r>
               <a:rPr lang="en-US" altLang="ja-JP" dirty="0"/>
@@ -6517,7 +6525,7 @@
             </a:r>
             <a:r>
               <a:rPr lang="ja-JP" altLang="en-US" dirty="0"/>
-              <a:t>金庚泰　金ジス　邱敏雄</a:t>
+              <a:t>王さん　金庚泰　金ジス　邱敏雄</a:t>
             </a:r>
           </a:p>
         </p:txBody>
@@ -6627,7 +6635,7 @@
         <p:spPr>
           <a:xfrm>
             <a:off x="1332723" y="1894114"/>
-            <a:ext cx="10087946" cy="2911152"/>
+            <a:ext cx="10087946" cy="3776844"/>
           </a:xfrm>
         </p:spPr>
         <p:txBody>
@@ -6666,7 +6674,7 @@
                 <a:latin typeface="+mj-ea"/>
                 <a:ea typeface="+mj-ea"/>
               </a:rPr>
-              <a:t>　・</a:t>
+              <a:t>　・ </a:t>
             </a:r>
             <a:r>
               <a:rPr kumimoji="1" lang="en-US" altLang="ja-JP" dirty="0">
@@ -6696,7 +6704,7 @@
                 <a:latin typeface="+mj-ea"/>
                 <a:ea typeface="+mj-ea"/>
               </a:rPr>
-              <a:t>　・モバイルアプリケーションを開発する能力を育てる。</a:t>
+              <a:t>　・ モバイルアプリケーションを開発する能力を育てる。</a:t>
             </a:r>
             <a:endParaRPr kumimoji="1" lang="en-US" altLang="ja-JP" dirty="0">
               <a:latin typeface="+mj-ea"/>
@@ -6712,8 +6720,33 @@
                 <a:latin typeface="+mj-ea"/>
                 <a:ea typeface="+mj-ea"/>
               </a:rPr>
-              <a:t>　　加えて、最新である技術を身に着ける。</a:t>
-            </a:r>
+              <a:t>　　 加えて、最新である技術を身に着ける。</a:t>
+            </a:r>
+            <a:endParaRPr lang="en-US" altLang="ja-JP" dirty="0">
+              <a:latin typeface="+mj-ea"/>
+              <a:ea typeface="+mj-ea"/>
+            </a:endParaRPr>
+          </a:p>
+          <a:p>
+            <a:pPr marL="0" indent="0">
+              <a:buNone/>
+            </a:pPr>
+            <a:r>
+              <a:rPr lang="ja-JP" altLang="en-US" dirty="0">
+                <a:latin typeface="+mj-ea"/>
+                <a:ea typeface="+mj-ea"/>
+              </a:rPr>
+              <a:t>　・ 顧客の要件に従い、備品管理＆名刺管理の機能を実現する。</a:t>
+            </a:r>
+            <a:endParaRPr lang="en-US" altLang="ja-JP" dirty="0">
+              <a:latin typeface="+mj-ea"/>
+              <a:ea typeface="+mj-ea"/>
+            </a:endParaRPr>
+          </a:p>
+          <a:p>
+            <a:pPr marL="0" indent="0">
+              <a:buNone/>
+            </a:pPr>
             <a:endParaRPr lang="en-US" altLang="ja-JP" dirty="0">
               <a:latin typeface="+mj-ea"/>
               <a:ea typeface="+mj-ea"/>
@@ -6872,7 +6905,7 @@
                 <a:latin typeface="+mj-ea"/>
                 <a:ea typeface="+mj-ea"/>
               </a:rPr>
-              <a:t>・</a:t>
+              <a:t>・ </a:t>
             </a:r>
             <a:r>
               <a:rPr lang="en-US" altLang="ja-JP" sz="2600" dirty="0">
@@ -6904,7 +6937,7 @@
                 <a:latin typeface="+mj-ea"/>
                 <a:ea typeface="+mj-ea"/>
               </a:rPr>
-              <a:t>・</a:t>
+              <a:t>・ </a:t>
             </a:r>
             <a:r>
               <a:rPr lang="en-US" altLang="ja-JP" sz="2600" dirty="0">
@@ -6923,7 +6956,7 @@
                 <a:latin typeface="+mj-ea"/>
                 <a:ea typeface="+mj-ea"/>
               </a:rPr>
-              <a:t>　・言語</a:t>
+              <a:t>　・ 言語</a:t>
             </a:r>
             <a:r>
               <a:rPr lang="en-US" altLang="ja-JP" sz="2600" dirty="0">
@@ -6948,7 +6981,7 @@
                 <a:latin typeface="+mj-ea"/>
                 <a:ea typeface="+mj-ea"/>
               </a:rPr>
-              <a:t>　・</a:t>
+              <a:t>　・ </a:t>
             </a:r>
             <a:r>
               <a:rPr lang="en-US" altLang="ja-JP" sz="2600" dirty="0">
@@ -6976,7 +7009,7 @@
                 <a:latin typeface="+mj-ea"/>
                 <a:ea typeface="+mj-ea"/>
               </a:rPr>
-              <a:t>　・</a:t>
+              <a:t>　・ </a:t>
             </a:r>
             <a:r>
               <a:rPr lang="en-US" altLang="ja-JP" sz="2800" dirty="0" err="1">
@@ -7202,6 +7235,862 @@
       </p:grpSpPr>
       <p:sp>
         <p:nvSpPr>
+          <p:cNvPr id="3" name="コンテンツ プレースホルダー 2">
+            <a:extLst>
+              <a:ext uri="{FF2B5EF4-FFF2-40B4-BE49-F238E27FC236}">
+                <a16:creationId xmlns:a16="http://schemas.microsoft.com/office/drawing/2014/main" id="{32BF32AB-0D1C-4D40-B68D-ACAA3DF63245}"/>
+              </a:ext>
+            </a:extLst>
+          </p:cNvPr>
+          <p:cNvSpPr>
+            <a:spLocks noGrp="1"/>
+          </p:cNvSpPr>
+          <p:nvPr>
+            <p:ph idx="1"/>
+          </p:nvPr>
+        </p:nvSpPr>
+        <p:spPr>
+          <a:xfrm>
+            <a:off x="1295401" y="1904301"/>
+            <a:ext cx="9601196" cy="3971567"/>
+          </a:xfrm>
+        </p:spPr>
+        <p:txBody>
+          <a:bodyPr/>
+          <a:lstStyle/>
+          <a:p>
+            <a:r>
+              <a:rPr lang="ja-JP" altLang="en-US" sz="2400" dirty="0">
+                <a:latin typeface="+mj-ea"/>
+                <a:ea typeface="+mj-ea"/>
+              </a:rPr>
+              <a:t>役割分担</a:t>
+            </a:r>
+            <a:endParaRPr lang="en-US" altLang="ja-JP" sz="2400" dirty="0">
+              <a:latin typeface="+mj-ea"/>
+              <a:ea typeface="+mj-ea"/>
+            </a:endParaRPr>
+          </a:p>
+          <a:p>
+            <a:pPr marL="0" indent="0">
+              <a:buNone/>
+            </a:pPr>
+            <a:r>
+              <a:rPr lang="ja-JP" altLang="en-US" sz="2400" dirty="0">
+                <a:latin typeface="+mj-ea"/>
+                <a:ea typeface="+mj-ea"/>
+              </a:rPr>
+              <a:t>・ </a:t>
+            </a:r>
+            <a:r>
+              <a:rPr kumimoji="1" lang="ja-JP" altLang="en-US" sz="2400" dirty="0">
+                <a:latin typeface="+mj-ea"/>
+                <a:ea typeface="+mj-ea"/>
+              </a:rPr>
+              <a:t>ユーザー管理</a:t>
+            </a:r>
+            <a:endParaRPr kumimoji="1" lang="en-US" altLang="ja-JP" sz="2400" dirty="0">
+              <a:latin typeface="+mj-ea"/>
+              <a:ea typeface="+mj-ea"/>
+            </a:endParaRPr>
+          </a:p>
+          <a:p>
+            <a:pPr marL="0" indent="0">
+              <a:buNone/>
+            </a:pPr>
+            <a:r>
+              <a:rPr lang="ja-JP" altLang="en-US" dirty="0">
+                <a:latin typeface="+mj-ea"/>
+                <a:ea typeface="+mj-ea"/>
+              </a:rPr>
+              <a:t>　　</a:t>
+            </a:r>
+            <a:r>
+              <a:rPr kumimoji="1" lang="en-US" altLang="ja-JP" sz="2400" dirty="0">
+                <a:latin typeface="+mj-ea"/>
+                <a:ea typeface="+mj-ea"/>
+              </a:rPr>
+              <a:t>- </a:t>
+            </a:r>
+            <a:r>
+              <a:rPr lang="ja-JP" altLang="en-US" dirty="0">
+                <a:latin typeface="+mj-ea"/>
+                <a:ea typeface="+mj-ea"/>
+              </a:rPr>
+              <a:t>金庚泰</a:t>
+            </a:r>
+            <a:endParaRPr kumimoji="1" lang="en-US" altLang="ja-JP" sz="2400" dirty="0">
+              <a:latin typeface="+mj-ea"/>
+              <a:ea typeface="+mj-ea"/>
+            </a:endParaRPr>
+          </a:p>
+          <a:p>
+            <a:pPr marL="0" indent="0">
+              <a:buNone/>
+            </a:pPr>
+            <a:r>
+              <a:rPr lang="ja-JP" altLang="en-US" sz="2400" dirty="0">
+                <a:latin typeface="+mj-ea"/>
+                <a:ea typeface="+mj-ea"/>
+              </a:rPr>
+              <a:t>・ </a:t>
+            </a:r>
+            <a:r>
+              <a:rPr kumimoji="1" lang="ja-JP" altLang="en-US" sz="2400" dirty="0">
+                <a:latin typeface="+mj-ea"/>
+                <a:ea typeface="+mj-ea"/>
+              </a:rPr>
+              <a:t>備品管理</a:t>
+            </a:r>
+            <a:endParaRPr kumimoji="1" lang="en-US" altLang="ja-JP" sz="2400" dirty="0">
+              <a:latin typeface="+mj-ea"/>
+              <a:ea typeface="+mj-ea"/>
+            </a:endParaRPr>
+          </a:p>
+          <a:p>
+            <a:pPr marL="0" indent="0">
+              <a:buNone/>
+            </a:pPr>
+            <a:r>
+              <a:rPr lang="ja-JP" altLang="en-US" dirty="0">
+                <a:latin typeface="+mj-ea"/>
+                <a:ea typeface="+mj-ea"/>
+              </a:rPr>
+              <a:t>　　</a:t>
+            </a:r>
+            <a:r>
+              <a:rPr lang="en-US" altLang="ja-JP" dirty="0">
+                <a:latin typeface="+mj-ea"/>
+                <a:ea typeface="+mj-ea"/>
+              </a:rPr>
+              <a:t>- </a:t>
+            </a:r>
+            <a:r>
+              <a:rPr lang="ja-JP" altLang="en-US" dirty="0">
+                <a:latin typeface="+mj-ea"/>
+                <a:ea typeface="+mj-ea"/>
+              </a:rPr>
+              <a:t>金庚泰　金ジス</a:t>
+            </a:r>
+            <a:endParaRPr kumimoji="1" lang="en-US" altLang="ja-JP" sz="2400" dirty="0">
+              <a:latin typeface="+mj-ea"/>
+              <a:ea typeface="+mj-ea"/>
+            </a:endParaRPr>
+          </a:p>
+          <a:p>
+            <a:pPr marL="0" indent="0">
+              <a:buNone/>
+            </a:pPr>
+            <a:r>
+              <a:rPr lang="ja-JP" altLang="en-US" sz="2400" dirty="0">
+                <a:latin typeface="+mj-ea"/>
+                <a:ea typeface="+mj-ea"/>
+              </a:rPr>
+              <a:t>・ </a:t>
+            </a:r>
+            <a:r>
+              <a:rPr lang="ja-JP" altLang="en-US" dirty="0">
+                <a:latin typeface="+mj-ea"/>
+                <a:ea typeface="+mj-ea"/>
+              </a:rPr>
+              <a:t>名刺管理</a:t>
+            </a:r>
+            <a:endParaRPr lang="en-US" altLang="ja-JP" dirty="0">
+              <a:latin typeface="+mj-ea"/>
+              <a:ea typeface="+mj-ea"/>
+            </a:endParaRPr>
+          </a:p>
+          <a:p>
+            <a:pPr marL="0" indent="0">
+              <a:buNone/>
+            </a:pPr>
+            <a:r>
+              <a:rPr lang="ja-JP" altLang="en-US" dirty="0">
+                <a:latin typeface="+mj-ea"/>
+                <a:ea typeface="+mj-ea"/>
+              </a:rPr>
+              <a:t>　　</a:t>
+            </a:r>
+            <a:r>
+              <a:rPr kumimoji="1" lang="en-US" altLang="ja-JP" sz="2400" dirty="0">
+                <a:latin typeface="+mj-ea"/>
+                <a:ea typeface="+mj-ea"/>
+              </a:rPr>
+              <a:t>- </a:t>
+            </a:r>
+            <a:r>
+              <a:rPr lang="ja-JP" altLang="en-US" dirty="0">
+                <a:latin typeface="+mj-ea"/>
+                <a:ea typeface="+mj-ea"/>
+              </a:rPr>
+              <a:t>金庚泰　金ジス　邱敏雄　王さん</a:t>
+            </a:r>
+            <a:endParaRPr kumimoji="1" lang="en-US" altLang="ja-JP" sz="2400" dirty="0">
+              <a:latin typeface="+mj-ea"/>
+              <a:ea typeface="+mj-ea"/>
+            </a:endParaRPr>
+          </a:p>
+          <a:p>
+            <a:endParaRPr kumimoji="1" lang="ja-JP" altLang="en-US" dirty="0">
+              <a:latin typeface="+mj-ea"/>
+              <a:ea typeface="+mj-ea"/>
+            </a:endParaRPr>
+          </a:p>
+        </p:txBody>
+      </p:sp>
+      <p:sp>
+        <p:nvSpPr>
+          <p:cNvPr id="4" name="タイトル 1">
+            <a:extLst>
+              <a:ext uri="{FF2B5EF4-FFF2-40B4-BE49-F238E27FC236}">
+                <a16:creationId xmlns:a16="http://schemas.microsoft.com/office/drawing/2014/main" id="{98F2C822-853C-4A29-94FD-CF1239BAB8EC}"/>
+              </a:ext>
+            </a:extLst>
+          </p:cNvPr>
+          <p:cNvSpPr>
+            <a:spLocks noGrp="1"/>
+          </p:cNvSpPr>
+          <p:nvPr>
+            <p:ph type="title"/>
+          </p:nvPr>
+        </p:nvSpPr>
+        <p:spPr>
+          <a:xfrm>
+            <a:off x="0" y="0"/>
+            <a:ext cx="12192000" cy="415051"/>
+          </a:xfrm>
+        </p:spPr>
+        <p:txBody>
+          <a:bodyPr>
+            <a:normAutofit fontScale="90000"/>
+          </a:bodyPr>
+          <a:lstStyle/>
+          <a:p>
+            <a:r>
+              <a:rPr lang="ja-JP" altLang="en-US" sz="2400" dirty="0"/>
+              <a:t>資材管理アプリ </a:t>
+            </a:r>
+            <a:r>
+              <a:rPr lang="en-US" altLang="ja-JP" sz="2400" dirty="0"/>
+              <a:t>(</a:t>
+            </a:r>
+            <a:r>
+              <a:rPr kumimoji="1" lang="ja-JP" altLang="en-US" sz="2400" dirty="0"/>
+              <a:t>備品管理 ＆</a:t>
+            </a:r>
+            <a:r>
+              <a:rPr lang="en-US" altLang="ja-JP" sz="2400" dirty="0"/>
+              <a:t> </a:t>
+            </a:r>
+            <a:r>
+              <a:rPr lang="ja-JP" altLang="en-US" sz="2400" dirty="0"/>
+              <a:t>名刺管理</a:t>
+            </a:r>
+            <a:r>
+              <a:rPr lang="en-US" altLang="ja-JP" sz="2400" dirty="0"/>
+              <a:t>)</a:t>
+            </a:r>
+            <a:endParaRPr kumimoji="1" lang="ja-JP" altLang="en-US" sz="2400" dirty="0"/>
+          </a:p>
+        </p:txBody>
+      </p:sp>
+    </p:spTree>
+    <p:extLst>
+      <p:ext uri="{BB962C8B-B14F-4D97-AF65-F5344CB8AC3E}">
+        <p14:creationId xmlns:p14="http://schemas.microsoft.com/office/powerpoint/2010/main" val="1947788557"/>
+      </p:ext>
+    </p:extLst>
+  </p:cSld>
+  <p:clrMapOvr>
+    <a:masterClrMapping/>
+  </p:clrMapOvr>
+</p:sld>
+</file>
+
+<file path=ppt/slides/slide6.xml><?xml version="1.0" encoding="utf-8"?>
+<p:sld xmlns:a="http://schemas.openxmlformats.org/drawingml/2006/main" xmlns:r="http://schemas.openxmlformats.org/officeDocument/2006/relationships" xmlns:p="http://schemas.openxmlformats.org/presentationml/2006/main">
+  <p:cSld>
+    <p:spTree>
+      <p:nvGrpSpPr>
+        <p:cNvPr id="1" name=""/>
+        <p:cNvGrpSpPr/>
+        <p:nvPr/>
+      </p:nvGrpSpPr>
+      <p:grpSpPr>
+        <a:xfrm>
+          <a:off x="0" y="0"/>
+          <a:ext cx="0" cy="0"/>
+          <a:chOff x="0" y="0"/>
+          <a:chExt cx="0" cy="0"/>
+        </a:xfrm>
+      </p:grpSpPr>
+      <p:sp>
+        <p:nvSpPr>
+          <p:cNvPr id="3" name="コンテンツ プレースホルダー 2">
+            <a:extLst>
+              <a:ext uri="{FF2B5EF4-FFF2-40B4-BE49-F238E27FC236}">
+                <a16:creationId xmlns:a16="http://schemas.microsoft.com/office/drawing/2014/main" id="{A05E408B-D942-4D1D-9A3D-73AA085928D7}"/>
+              </a:ext>
+            </a:extLst>
+          </p:cNvPr>
+          <p:cNvSpPr>
+            <a:spLocks noGrp="1"/>
+          </p:cNvSpPr>
+          <p:nvPr>
+            <p:ph idx="1"/>
+          </p:nvPr>
+        </p:nvSpPr>
+        <p:spPr>
+          <a:xfrm>
+            <a:off x="1295401" y="1895912"/>
+            <a:ext cx="9601196" cy="3979956"/>
+          </a:xfrm>
+        </p:spPr>
+        <p:txBody>
+          <a:bodyPr/>
+          <a:lstStyle/>
+          <a:p>
+            <a:r>
+              <a:rPr kumimoji="1" lang="ja-JP" altLang="en-US" sz="2400" dirty="0">
+                <a:latin typeface="+mj-ea"/>
+                <a:ea typeface="+mj-ea"/>
+              </a:rPr>
+              <a:t>アプリ機能</a:t>
+            </a:r>
+            <a:endParaRPr kumimoji="1" lang="en-US" altLang="ja-JP" sz="2400" dirty="0">
+              <a:latin typeface="+mj-ea"/>
+              <a:ea typeface="+mj-ea"/>
+            </a:endParaRPr>
+          </a:p>
+          <a:p>
+            <a:pPr marL="0" indent="0">
+              <a:buNone/>
+            </a:pPr>
+            <a:r>
+              <a:rPr lang="ja-JP" altLang="en-US" sz="2400" dirty="0">
+                <a:latin typeface="+mj-ea"/>
+                <a:ea typeface="+mj-ea"/>
+              </a:rPr>
+              <a:t>・ </a:t>
+            </a:r>
+            <a:r>
+              <a:rPr kumimoji="1" lang="ja-JP" altLang="en-US" sz="2400" dirty="0">
+                <a:latin typeface="+mj-ea"/>
+                <a:ea typeface="+mj-ea"/>
+              </a:rPr>
+              <a:t>ユーザー管理</a:t>
+            </a:r>
+            <a:endParaRPr kumimoji="1" lang="en-US" altLang="ja-JP" sz="2400" dirty="0">
+              <a:latin typeface="+mj-ea"/>
+              <a:ea typeface="+mj-ea"/>
+            </a:endParaRPr>
+          </a:p>
+          <a:p>
+            <a:pPr marL="0" indent="0">
+              <a:buNone/>
+            </a:pPr>
+            <a:r>
+              <a:rPr lang="ja-JP" altLang="en-US" dirty="0">
+                <a:latin typeface="+mj-ea"/>
+                <a:ea typeface="+mj-ea"/>
+              </a:rPr>
+              <a:t>　　</a:t>
+            </a:r>
+            <a:r>
+              <a:rPr kumimoji="1" lang="en-US" altLang="ja-JP" sz="2400" dirty="0">
+                <a:latin typeface="+mj-ea"/>
+                <a:ea typeface="+mj-ea"/>
+              </a:rPr>
+              <a:t>- </a:t>
+            </a:r>
+            <a:r>
+              <a:rPr kumimoji="1" lang="ja-JP" altLang="en-US" sz="2400" dirty="0">
+                <a:latin typeface="+mj-ea"/>
+                <a:ea typeface="+mj-ea"/>
+              </a:rPr>
+              <a:t>ログイン機能、</a:t>
+            </a:r>
+            <a:r>
+              <a:rPr lang="ja-JP" altLang="en-US" dirty="0">
+                <a:solidFill>
+                  <a:srgbClr val="FF0000"/>
+                </a:solidFill>
+                <a:latin typeface="+mj-ea"/>
+                <a:ea typeface="+mj-ea"/>
+              </a:rPr>
+              <a:t>ユーザ新規登録</a:t>
+            </a:r>
+            <a:r>
+              <a:rPr lang="ja-JP" altLang="en-US" dirty="0">
+                <a:solidFill>
+                  <a:schemeClr val="tx1"/>
+                </a:solidFill>
+                <a:latin typeface="+mj-ea"/>
+                <a:ea typeface="+mj-ea"/>
+              </a:rPr>
+              <a:t>、</a:t>
+            </a:r>
+            <a:r>
+              <a:rPr lang="ja-JP" altLang="en-US" dirty="0">
+                <a:solidFill>
+                  <a:srgbClr val="FF0000"/>
+                </a:solidFill>
+                <a:latin typeface="+mj-ea"/>
+                <a:ea typeface="+mj-ea"/>
+              </a:rPr>
+              <a:t>パスワード探し</a:t>
+            </a:r>
+            <a:r>
+              <a:rPr lang="ja-JP" altLang="en-US" dirty="0">
+                <a:latin typeface="+mj-ea"/>
+                <a:ea typeface="+mj-ea"/>
+              </a:rPr>
+              <a:t>、</a:t>
+            </a:r>
+            <a:r>
+              <a:rPr kumimoji="1" lang="ja-JP" altLang="en-US" sz="2400" dirty="0">
+                <a:solidFill>
+                  <a:srgbClr val="FF0000"/>
+                </a:solidFill>
+                <a:latin typeface="+mj-ea"/>
+                <a:ea typeface="+mj-ea"/>
+              </a:rPr>
+              <a:t>ユーザ情報編集</a:t>
+            </a:r>
+            <a:endParaRPr kumimoji="1" lang="en-US" altLang="ja-JP" sz="2400" dirty="0">
+              <a:solidFill>
+                <a:srgbClr val="FF0000"/>
+              </a:solidFill>
+              <a:latin typeface="+mj-ea"/>
+              <a:ea typeface="+mj-ea"/>
+            </a:endParaRPr>
+          </a:p>
+          <a:p>
+            <a:pPr marL="0" indent="0">
+              <a:buNone/>
+            </a:pPr>
+            <a:r>
+              <a:rPr lang="ja-JP" altLang="en-US" sz="2400" dirty="0">
+                <a:latin typeface="+mj-ea"/>
+                <a:ea typeface="+mj-ea"/>
+              </a:rPr>
+              <a:t>・ </a:t>
+            </a:r>
+            <a:r>
+              <a:rPr kumimoji="1" lang="ja-JP" altLang="en-US" sz="2400" dirty="0">
+                <a:latin typeface="+mj-ea"/>
+                <a:ea typeface="+mj-ea"/>
+              </a:rPr>
+              <a:t>備品管理</a:t>
+            </a:r>
+            <a:endParaRPr kumimoji="1" lang="en-US" altLang="ja-JP" sz="2400" dirty="0">
+              <a:latin typeface="+mj-ea"/>
+              <a:ea typeface="+mj-ea"/>
+            </a:endParaRPr>
+          </a:p>
+          <a:p>
+            <a:pPr marL="0" indent="0">
+              <a:buNone/>
+            </a:pPr>
+            <a:r>
+              <a:rPr lang="ja-JP" altLang="en-US" dirty="0">
+                <a:latin typeface="+mj-ea"/>
+                <a:ea typeface="+mj-ea"/>
+              </a:rPr>
+              <a:t>　　</a:t>
+            </a:r>
+            <a:r>
+              <a:rPr lang="en-US" altLang="ja-JP" dirty="0">
+                <a:latin typeface="+mj-ea"/>
+                <a:ea typeface="+mj-ea"/>
+              </a:rPr>
+              <a:t>- </a:t>
+            </a:r>
+            <a:r>
+              <a:rPr lang="ja-JP" altLang="en-US" dirty="0">
+                <a:latin typeface="+mj-ea"/>
+                <a:ea typeface="+mj-ea"/>
+              </a:rPr>
+              <a:t>備品情報、備品追加、備品変更、備品削除</a:t>
+            </a:r>
+            <a:endParaRPr kumimoji="1" lang="en-US" altLang="ja-JP" sz="2400" dirty="0">
+              <a:latin typeface="+mj-ea"/>
+              <a:ea typeface="+mj-ea"/>
+            </a:endParaRPr>
+          </a:p>
+          <a:p>
+            <a:pPr marL="0" indent="0">
+              <a:buNone/>
+            </a:pPr>
+            <a:r>
+              <a:rPr lang="ja-JP" altLang="en-US" sz="2400" dirty="0">
+                <a:latin typeface="+mj-ea"/>
+                <a:ea typeface="+mj-ea"/>
+              </a:rPr>
+              <a:t>・ </a:t>
+            </a:r>
+            <a:r>
+              <a:rPr lang="ja-JP" altLang="en-US" dirty="0">
+                <a:latin typeface="+mj-ea"/>
+                <a:ea typeface="+mj-ea"/>
+              </a:rPr>
+              <a:t>名刺管理</a:t>
+            </a:r>
+            <a:endParaRPr kumimoji="1" lang="en-US" altLang="ja-JP" sz="2400" dirty="0">
+              <a:latin typeface="+mj-ea"/>
+              <a:ea typeface="+mj-ea"/>
+            </a:endParaRPr>
+          </a:p>
+          <a:p>
+            <a:pPr marL="0" indent="0">
+              <a:buNone/>
+            </a:pPr>
+            <a:r>
+              <a:rPr lang="en-US" altLang="ja-JP" dirty="0">
+                <a:latin typeface="+mj-ea"/>
+                <a:ea typeface="+mj-ea"/>
+              </a:rPr>
+              <a:t>	-</a:t>
+            </a:r>
+            <a:r>
+              <a:rPr lang="ja-JP" altLang="en-US" dirty="0">
+                <a:latin typeface="+mj-ea"/>
+                <a:ea typeface="+mj-ea"/>
+              </a:rPr>
+              <a:t> 名刺情報、名刺追加、名刺変更、</a:t>
+            </a:r>
+            <a:r>
+              <a:rPr lang="ja-JP" altLang="en-US" dirty="0">
+                <a:solidFill>
+                  <a:srgbClr val="FF0000"/>
+                </a:solidFill>
+                <a:latin typeface="+mj-ea"/>
+                <a:ea typeface="+mj-ea"/>
+              </a:rPr>
+              <a:t>名刺削除</a:t>
+            </a:r>
+            <a:endParaRPr lang="en-US" altLang="ja-JP" dirty="0">
+              <a:solidFill>
+                <a:srgbClr val="FF0000"/>
+              </a:solidFill>
+              <a:latin typeface="+mj-ea"/>
+              <a:ea typeface="+mj-ea"/>
+            </a:endParaRPr>
+          </a:p>
+          <a:p>
+            <a:endParaRPr kumimoji="1" lang="ja-JP" altLang="en-US" dirty="0">
+              <a:latin typeface="+mj-ea"/>
+              <a:ea typeface="+mj-ea"/>
+            </a:endParaRPr>
+          </a:p>
+        </p:txBody>
+      </p:sp>
+      <p:sp>
+        <p:nvSpPr>
+          <p:cNvPr id="4" name="タイトル 1">
+            <a:extLst>
+              <a:ext uri="{FF2B5EF4-FFF2-40B4-BE49-F238E27FC236}">
+                <a16:creationId xmlns:a16="http://schemas.microsoft.com/office/drawing/2014/main" id="{AC702265-B2CA-46E5-B162-423E100EB1BF}"/>
+              </a:ext>
+            </a:extLst>
+          </p:cNvPr>
+          <p:cNvSpPr>
+            <a:spLocks noGrp="1"/>
+          </p:cNvSpPr>
+          <p:nvPr>
+            <p:ph type="title"/>
+          </p:nvPr>
+        </p:nvSpPr>
+        <p:spPr>
+          <a:xfrm>
+            <a:off x="0" y="0"/>
+            <a:ext cx="12192000" cy="415051"/>
+          </a:xfrm>
+        </p:spPr>
+        <p:txBody>
+          <a:bodyPr>
+            <a:normAutofit fontScale="90000"/>
+          </a:bodyPr>
+          <a:lstStyle/>
+          <a:p>
+            <a:r>
+              <a:rPr lang="ja-JP" altLang="en-US" sz="2400" dirty="0"/>
+              <a:t>資材管理アプリ </a:t>
+            </a:r>
+            <a:r>
+              <a:rPr lang="en-US" altLang="ja-JP" sz="2400" dirty="0"/>
+              <a:t>(</a:t>
+            </a:r>
+            <a:r>
+              <a:rPr kumimoji="1" lang="ja-JP" altLang="en-US" sz="2400" dirty="0"/>
+              <a:t>備品管理 ＆</a:t>
+            </a:r>
+            <a:r>
+              <a:rPr lang="en-US" altLang="ja-JP" sz="2400" dirty="0"/>
+              <a:t> </a:t>
+            </a:r>
+            <a:r>
+              <a:rPr lang="ja-JP" altLang="en-US" sz="2400" dirty="0"/>
+              <a:t>名刺管理</a:t>
+            </a:r>
+            <a:r>
+              <a:rPr lang="en-US" altLang="ja-JP" sz="2400" dirty="0"/>
+              <a:t>)</a:t>
+            </a:r>
+            <a:endParaRPr kumimoji="1" lang="ja-JP" altLang="en-US" sz="2400" dirty="0"/>
+          </a:p>
+        </p:txBody>
+      </p:sp>
+    </p:spTree>
+    <p:extLst>
+      <p:ext uri="{BB962C8B-B14F-4D97-AF65-F5344CB8AC3E}">
+        <p14:creationId xmlns:p14="http://schemas.microsoft.com/office/powerpoint/2010/main" val="1903400900"/>
+      </p:ext>
+    </p:extLst>
+  </p:cSld>
+  <p:clrMapOvr>
+    <a:masterClrMapping/>
+  </p:clrMapOvr>
+</p:sld>
+</file>
+
+<file path=ppt/slides/slide7.xml><?xml version="1.0" encoding="utf-8"?>
+<p:sld xmlns:a="http://schemas.openxmlformats.org/drawingml/2006/main" xmlns:r="http://schemas.openxmlformats.org/officeDocument/2006/relationships" xmlns:p="http://schemas.openxmlformats.org/presentationml/2006/main">
+  <p:cSld>
+    <p:spTree>
+      <p:nvGrpSpPr>
+        <p:cNvPr id="1" name=""/>
+        <p:cNvGrpSpPr/>
+        <p:nvPr/>
+      </p:nvGrpSpPr>
+      <p:grpSpPr>
+        <a:xfrm>
+          <a:off x="0" y="0"/>
+          <a:ext cx="0" cy="0"/>
+          <a:chOff x="0" y="0"/>
+          <a:chExt cx="0" cy="0"/>
+        </a:xfrm>
+      </p:grpSpPr>
+      <p:sp>
+        <p:nvSpPr>
+          <p:cNvPr id="3" name="コンテンツ プレースホルダー 2">
+            <a:extLst>
+              <a:ext uri="{FF2B5EF4-FFF2-40B4-BE49-F238E27FC236}">
+                <a16:creationId xmlns:a16="http://schemas.microsoft.com/office/drawing/2014/main" id="{A271A993-4772-40E2-83B8-7FBEAC189479}"/>
+              </a:ext>
+            </a:extLst>
+          </p:cNvPr>
+          <p:cNvSpPr>
+            <a:spLocks noGrp="1"/>
+          </p:cNvSpPr>
+          <p:nvPr>
+            <p:ph idx="1"/>
+          </p:nvPr>
+        </p:nvSpPr>
+        <p:spPr>
+          <a:xfrm>
+            <a:off x="1295401" y="2004969"/>
+            <a:ext cx="9601196" cy="3870899"/>
+          </a:xfrm>
+        </p:spPr>
+        <p:txBody>
+          <a:bodyPr/>
+          <a:lstStyle/>
+          <a:p>
+            <a:r>
+              <a:rPr kumimoji="1" lang="ja-JP" altLang="en-US" dirty="0">
+                <a:latin typeface="+mj-ea"/>
+                <a:ea typeface="+mj-ea"/>
+              </a:rPr>
+              <a:t>これからの計画</a:t>
+            </a:r>
+            <a:endParaRPr kumimoji="1" lang="en-US" altLang="ja-JP" dirty="0">
+              <a:latin typeface="+mj-ea"/>
+              <a:ea typeface="+mj-ea"/>
+            </a:endParaRPr>
+          </a:p>
+          <a:p>
+            <a:pPr marL="0" indent="0">
+              <a:buNone/>
+            </a:pPr>
+            <a:r>
+              <a:rPr lang="ja-JP" altLang="en-US" sz="2400" dirty="0">
+                <a:latin typeface="+mj-ea"/>
+                <a:ea typeface="+mj-ea"/>
+              </a:rPr>
+              <a:t> ・ </a:t>
+            </a:r>
+            <a:r>
+              <a:rPr lang="ja-JP" altLang="en-US" dirty="0">
+                <a:latin typeface="+mj-ea"/>
+                <a:ea typeface="+mj-ea"/>
+              </a:rPr>
+              <a:t>画面調整</a:t>
+            </a:r>
+            <a:endParaRPr lang="en-US" altLang="ja-JP" dirty="0">
+              <a:latin typeface="+mj-ea"/>
+              <a:ea typeface="+mj-ea"/>
+            </a:endParaRPr>
+          </a:p>
+          <a:p>
+            <a:pPr marL="0" indent="0">
+              <a:buNone/>
+            </a:pPr>
+            <a:r>
+              <a:rPr lang="ja-JP" altLang="en-US" sz="2400" dirty="0">
+                <a:latin typeface="+mj-ea"/>
+                <a:ea typeface="+mj-ea"/>
+              </a:rPr>
+              <a:t> ・ </a:t>
+            </a:r>
+            <a:r>
+              <a:rPr lang="ja-JP" altLang="en-US" dirty="0">
+                <a:latin typeface="+mj-ea"/>
+                <a:ea typeface="+mj-ea"/>
+              </a:rPr>
+              <a:t>機能構成案</a:t>
+            </a:r>
+            <a:endParaRPr lang="en-US" altLang="ja-JP" dirty="0">
+              <a:latin typeface="+mj-ea"/>
+              <a:ea typeface="+mj-ea"/>
+            </a:endParaRPr>
+          </a:p>
+          <a:p>
+            <a:pPr marL="0" indent="0">
+              <a:buNone/>
+            </a:pPr>
+            <a:r>
+              <a:rPr lang="ja-JP" altLang="en-US" sz="2400" dirty="0">
+                <a:latin typeface="+mj-ea"/>
+                <a:ea typeface="+mj-ea"/>
+              </a:rPr>
+              <a:t> ・ </a:t>
+            </a:r>
+            <a:r>
+              <a:rPr lang="ja-JP" altLang="en-US" dirty="0">
+                <a:latin typeface="+mj-ea"/>
+                <a:ea typeface="+mj-ea"/>
+              </a:rPr>
+              <a:t>モデル構築</a:t>
+            </a:r>
+            <a:endParaRPr lang="en-US" altLang="ja-JP" dirty="0">
+              <a:latin typeface="+mj-ea"/>
+              <a:ea typeface="+mj-ea"/>
+            </a:endParaRPr>
+          </a:p>
+          <a:p>
+            <a:pPr marL="0" indent="0">
+              <a:buNone/>
+            </a:pPr>
+            <a:r>
+              <a:rPr lang="ja-JP" altLang="en-US" sz="2400" dirty="0">
+                <a:latin typeface="+mj-ea"/>
+                <a:ea typeface="+mj-ea"/>
+              </a:rPr>
+              <a:t> ・ </a:t>
+            </a:r>
+            <a:r>
+              <a:rPr lang="ja-JP" altLang="en-US" dirty="0">
+                <a:latin typeface="+mj-ea"/>
+                <a:ea typeface="+mj-ea"/>
+              </a:rPr>
+              <a:t>データベース構築</a:t>
+            </a:r>
+            <a:endParaRPr lang="en-US" altLang="ja-JP" dirty="0">
+              <a:latin typeface="+mj-ea"/>
+              <a:ea typeface="+mj-ea"/>
+            </a:endParaRPr>
+          </a:p>
+        </p:txBody>
+      </p:sp>
+      <p:sp>
+        <p:nvSpPr>
+          <p:cNvPr id="6" name="タイトル 1">
+            <a:extLst>
+              <a:ext uri="{FF2B5EF4-FFF2-40B4-BE49-F238E27FC236}">
+                <a16:creationId xmlns:a16="http://schemas.microsoft.com/office/drawing/2014/main" id="{3C63DCF7-CEBB-467A-B505-676F583A326B}"/>
+              </a:ext>
+            </a:extLst>
+          </p:cNvPr>
+          <p:cNvSpPr>
+            <a:spLocks noGrp="1"/>
+          </p:cNvSpPr>
+          <p:nvPr>
+            <p:ph type="title"/>
+          </p:nvPr>
+        </p:nvSpPr>
+        <p:spPr>
+          <a:xfrm>
+            <a:off x="0" y="0"/>
+            <a:ext cx="12192000" cy="415051"/>
+          </a:xfrm>
+        </p:spPr>
+        <p:txBody>
+          <a:bodyPr>
+            <a:normAutofit fontScale="90000"/>
+          </a:bodyPr>
+          <a:lstStyle/>
+          <a:p>
+            <a:r>
+              <a:rPr lang="ja-JP" altLang="en-US" sz="2400" dirty="0"/>
+              <a:t>資材管理アプリ </a:t>
+            </a:r>
+            <a:r>
+              <a:rPr lang="en-US" altLang="ja-JP" sz="2400" dirty="0"/>
+              <a:t>(</a:t>
+            </a:r>
+            <a:r>
+              <a:rPr kumimoji="1" lang="ja-JP" altLang="en-US" sz="2400" dirty="0"/>
+              <a:t>備品管理 ＆</a:t>
+            </a:r>
+            <a:r>
+              <a:rPr lang="en-US" altLang="ja-JP" sz="2400" dirty="0"/>
+              <a:t> </a:t>
+            </a:r>
+            <a:r>
+              <a:rPr lang="ja-JP" altLang="en-US" sz="2400" dirty="0"/>
+              <a:t>名刺管理</a:t>
+            </a:r>
+            <a:r>
+              <a:rPr lang="en-US" altLang="ja-JP" sz="2400" dirty="0"/>
+              <a:t>)</a:t>
+            </a:r>
+            <a:endParaRPr kumimoji="1" lang="ja-JP" altLang="en-US" sz="2400" dirty="0"/>
+          </a:p>
+        </p:txBody>
+      </p:sp>
+    </p:spTree>
+    <p:extLst>
+      <p:ext uri="{BB962C8B-B14F-4D97-AF65-F5344CB8AC3E}">
+        <p14:creationId xmlns:p14="http://schemas.microsoft.com/office/powerpoint/2010/main" val="2122027584"/>
+      </p:ext>
+    </p:extLst>
+  </p:cSld>
+  <p:clrMapOvr>
+    <a:masterClrMapping/>
+  </p:clrMapOvr>
+</p:sld>
+</file>
+
+<file path=ppt/slides/slide8.xml><?xml version="1.0" encoding="utf-8"?>
+<p:sld xmlns:a="http://schemas.openxmlformats.org/drawingml/2006/main" xmlns:r="http://schemas.openxmlformats.org/officeDocument/2006/relationships" xmlns:p="http://schemas.openxmlformats.org/presentationml/2006/main">
+  <p:cSld>
+    <p:spTree>
+      <p:nvGrpSpPr>
+        <p:cNvPr id="1" name=""/>
+        <p:cNvGrpSpPr/>
+        <p:nvPr/>
+      </p:nvGrpSpPr>
+      <p:grpSpPr>
+        <a:xfrm>
+          <a:off x="0" y="0"/>
+          <a:ext cx="0" cy="0"/>
+          <a:chOff x="0" y="0"/>
+          <a:chExt cx="0" cy="0"/>
+        </a:xfrm>
+      </p:grpSpPr>
+      <p:sp>
+        <p:nvSpPr>
           <p:cNvPr id="2" name="タイトル 1">
             <a:extLst>
               <a:ext uri="{FF2B5EF4-FFF2-40B4-BE49-F238E27FC236}">
@@ -7249,19 +8138,6 @@
                 <a:latin typeface="+mj-ea"/>
               </a:rPr>
               <a:t>ご清聴ありがとうございましたし</a:t>
-            </a:r>
-            <a:r>
-              <a:rPr kumimoji="0" lang="ja-JP" altLang="ja-JP" sz="3600" b="0" i="0" u="none" strike="noStrike" cap="none" normalizeH="0" baseline="0" dirty="0">
-                <a:ln>
-                  <a:noFill/>
-                </a:ln>
-                <a:solidFill>
-                  <a:schemeClr val="tx1"/>
-                </a:solidFill>
-                <a:effectLst/>
-                <a:latin typeface="+mj-ea"/>
-              </a:rPr>
-              <a:t> </a:t>
             </a:r>
             <a:r>
               <a:rPr kumimoji="0" lang="ja-JP" altLang="en-US" sz="3600" b="0" i="0" u="none" strike="noStrike" cap="none" normalizeH="0" baseline="0" dirty="0">

--- a/lib/Android & IOS.pptx
+++ b/lib/Android & IOS.pptx
@@ -7711,7 +7711,21 @@
                 <a:latin typeface="+mj-ea"/>
                 <a:ea typeface="+mj-ea"/>
               </a:rPr>
-              <a:t>備品情報、備品追加、備品変更、備品削除</a:t>
+              <a:t>備品</a:t>
+            </a:r>
+            <a:r>
+              <a:rPr lang="ja-JP" altLang="en-US">
+                <a:latin typeface="+mj-ea"/>
+                <a:ea typeface="+mj-ea"/>
+              </a:rPr>
+              <a:t>情報、備品変更、備品追加、</a:t>
+            </a:r>
+            <a:r>
+              <a:rPr lang="ja-JP" altLang="en-US" dirty="0">
+                <a:latin typeface="+mj-ea"/>
+                <a:ea typeface="+mj-ea"/>
+              </a:rPr>
+              <a:t>備品削除</a:t>
             </a:r>
             <a:endParaRPr kumimoji="1" lang="en-US" altLang="ja-JP" sz="2400" dirty="0">
               <a:latin typeface="+mj-ea"/>
@@ -7757,17 +7771,34 @@
                 <a:latin typeface="+mj-ea"/>
                 <a:ea typeface="+mj-ea"/>
               </a:rPr>
-              <a:t> 名刺情報、名刺追加、名刺変更、</a:t>
-            </a:r>
-            <a:r>
-              <a:rPr lang="ja-JP" altLang="en-US" dirty="0">
-                <a:solidFill>
-                  <a:srgbClr val="FF0000"/>
-                </a:solidFill>
+              <a:t> 名刺</a:t>
+            </a:r>
+            <a:r>
+              <a:rPr lang="ja-JP" altLang="en-US">
                 <a:latin typeface="+mj-ea"/>
                 <a:ea typeface="+mj-ea"/>
               </a:rPr>
-              <a:t>名刺削除</a:t>
+              <a:t>情報、名刺変更、名刺追加、</a:t>
+            </a:r>
+            <a:r>
+              <a:rPr lang="ja-JP" altLang="en-US">
+                <a:solidFill>
+                  <a:srgbClr val="FF0000"/>
+                </a:solidFill>
+                <a:latin typeface="+mj-ea"/>
+                <a:ea typeface="+mj-ea"/>
+              </a:rPr>
+              <a:t>名刺</a:t>
+            </a:r>
+            <a:r>
+              <a:rPr lang="ja-JP" altLang="en-US" dirty="0">
+                <a:solidFill>
+                  <a:srgbClr val="FF0000"/>
+                </a:solidFill>
+                <a:latin typeface="+mj-ea"/>
+                <a:ea typeface="+mj-ea"/>
+              </a:rPr>
+              <a:t>削除</a:t>
             </a:r>
             <a:endParaRPr lang="en-US" altLang="ja-JP" dirty="0">
               <a:solidFill>
